--- a/HITESH TECHNICAL Day 1 Journey Book 2024.pptx
+++ b/HITESH TECHNICAL Day 1 Journey Book 2024.pptx
@@ -5,25 +5,26 @@
     <p:sldMasterId id="2147483648" r:id="rId4"/>
   </p:sldMasterIdLst>
   <p:notesMasterIdLst>
-    <p:notesMasterId r:id="rId13"/>
+    <p:notesMasterId r:id="rId14"/>
   </p:notesMasterIdLst>
   <p:handoutMasterIdLst>
-    <p:handoutMasterId r:id="rId14"/>
+    <p:handoutMasterId r:id="rId15"/>
   </p:handoutMasterIdLst>
   <p:sldIdLst>
     <p:sldId id="256" r:id="rId5"/>
     <p:sldId id="4848" r:id="rId6"/>
     <p:sldId id="2147375597" r:id="rId7"/>
-    <p:sldId id="2147375600" r:id="rId8"/>
-    <p:sldId id="2147375601" r:id="rId9"/>
-    <p:sldId id="2147375604" r:id="rId10"/>
-    <p:sldId id="2147375602" r:id="rId11"/>
-    <p:sldId id="1633" r:id="rId12"/>
+    <p:sldId id="2147375606" r:id="rId8"/>
+    <p:sldId id="2147375600" r:id="rId9"/>
+    <p:sldId id="2147375601" r:id="rId10"/>
+    <p:sldId id="2147375604" r:id="rId11"/>
+    <p:sldId id="2147375602" r:id="rId12"/>
+    <p:sldId id="1633" r:id="rId13"/>
   </p:sldIdLst>
   <p:sldSz cx="12192000" cy="6858000"/>
   <p:notesSz cx="6858000" cy="9144000"/>
   <p:custDataLst>
-    <p:tags r:id="rId15"/>
+    <p:tags r:id="rId16"/>
   </p:custDataLst>
   <p:defaultTextStyle>
     <a:defPPr>
@@ -2284,7 +2285,7 @@
           <a:p>
             <a:fld id="{C665F293-8627-45D3-8E1A-F6ADA80B8E24}" type="datetimeFigureOut">
               <a:rPr lang="en-US" smtClean="0"/>
-              <a:t>9/1/2024</a:t>
+              <a:t>9/5/2024</a:t>
             </a:fld>
             <a:endParaRPr lang="en-US"/>
           </a:p>
@@ -2461,7 +2462,7 @@
           <a:p>
             <a:fld id="{20509F1D-83B7-43AF-A495-3D2B1AB5AEA1}" type="datetimeFigureOut">
               <a:rPr lang="fr-FR" smtClean="0"/>
-              <a:t>01/09/2024</a:t>
+              <a:t>05/09/2024</a:t>
             </a:fld>
             <a:endParaRPr lang="fr-FR"/>
           </a:p>
@@ -9037,7 +9038,7 @@
           </a:effectLst>
         </p:spPr>
         <p:txBody>
-          <a:bodyPr/>
+          <a:bodyPr numCol="2"/>
           <a:lstStyle>
             <a:lvl1pPr marL="228600" indent="-228600" algn="l" defTabSz="914400" rtl="0" eaLnBrk="1" latinLnBrk="0" hangingPunct="1">
               <a:lnSpc>
@@ -9316,20 +9317,19 @@
             </a:r>
           </a:p>
           <a:p>
-            <a:pPr algn="l"/>
-            <a:r>
-              <a:rPr lang="en-GB" sz="1200" b="1" i="0" dirty="0">
-                <a:solidFill>
-                  <a:srgbClr val="111111"/>
-                </a:solidFill>
-                <a:effectLst/>
-                <a:highlight>
-                  <a:srgbClr val="F7F7F7"/>
-                </a:highlight>
-                <a:latin typeface="-apple-system"/>
-              </a:rPr>
-              <a:t>SDLC Model (Software Development Life Cycle)</a:t>
-            </a:r>
+            <a:pPr lvl="1"/>
+            <a:endParaRPr lang="en-GB" sz="1200" dirty="0">
+              <a:solidFill>
+                <a:srgbClr val="111111"/>
+              </a:solidFill>
+              <a:highlight>
+                <a:srgbClr val="F7F7F7"/>
+              </a:highlight>
+              <a:latin typeface="-apple-system"/>
+            </a:endParaRPr>
+          </a:p>
+          <a:p>
+            <a:pPr lvl="1"/>
             <a:endParaRPr lang="en-GB" sz="1200" b="0" i="0" dirty="0">
               <a:solidFill>
                 <a:srgbClr val="111111"/>
@@ -9342,55 +9342,19 @@
             </a:endParaRPr>
           </a:p>
           <a:p>
-            <a:pPr lvl="1">
-              <a:buFont typeface="+mj-lt"/>
-              <a:buAutoNum type="arabicPeriod"/>
-            </a:pPr>
-            <a:r>
-              <a:rPr lang="en-GB" sz="1200" b="1" i="0" dirty="0">
-                <a:solidFill>
-                  <a:srgbClr val="111111"/>
-                </a:solidFill>
-                <a:effectLst/>
-                <a:highlight>
-                  <a:srgbClr val="F7F7F7"/>
-                </a:highlight>
-                <a:latin typeface="-apple-system"/>
-              </a:rPr>
-              <a:t>Planning</a:t>
-            </a:r>
-            <a:r>
-              <a:rPr lang="en-GB" sz="1200" b="0" i="0" dirty="0">
-                <a:solidFill>
-                  <a:srgbClr val="111111"/>
-                </a:solidFill>
-                <a:effectLst/>
-                <a:highlight>
-                  <a:srgbClr val="F7F7F7"/>
-                </a:highlight>
-                <a:latin typeface="-apple-system"/>
-              </a:rPr>
-              <a:t>: Involves business analysts to define requirements.</a:t>
-            </a:r>
-          </a:p>
-          <a:p>
-            <a:pPr lvl="1">
-              <a:buFont typeface="+mj-lt"/>
-              <a:buAutoNum type="arabicPeriod"/>
-            </a:pPr>
-            <a:r>
-              <a:rPr lang="en-GB" sz="1200" b="1" i="0" dirty="0">
-                <a:solidFill>
-                  <a:srgbClr val="111111"/>
-                </a:solidFill>
-                <a:effectLst/>
-                <a:highlight>
-                  <a:srgbClr val="F7F7F7"/>
-                </a:highlight>
-                <a:latin typeface="-apple-system"/>
-              </a:rPr>
-              <a:t>Design and Prototyping</a:t>
-            </a:r>
+            <a:pPr lvl="1"/>
+            <a:endParaRPr lang="en-GB" sz="1200" dirty="0">
+              <a:solidFill>
+                <a:srgbClr val="111111"/>
+              </a:solidFill>
+              <a:highlight>
+                <a:srgbClr val="F7F7F7"/>
+              </a:highlight>
+              <a:latin typeface="-apple-system"/>
+            </a:endParaRPr>
+          </a:p>
+          <a:p>
+            <a:pPr lvl="1"/>
             <a:endParaRPr lang="en-GB" sz="1200" b="0" i="0" dirty="0">
               <a:solidFill>
                 <a:srgbClr val="111111"/>
@@ -9403,23 +9367,7 @@
             </a:endParaRPr>
           </a:p>
           <a:p>
-            <a:pPr lvl="1">
-              <a:buFont typeface="+mj-lt"/>
-              <a:buAutoNum type="arabicPeriod"/>
-            </a:pPr>
-            <a:r>
-              <a:rPr lang="en-GB" sz="1200" b="1" i="0" dirty="0">
-                <a:solidFill>
-                  <a:srgbClr val="111111"/>
-                </a:solidFill>
-                <a:effectLst/>
-                <a:highlight>
-                  <a:srgbClr val="F7F7F7"/>
-                </a:highlight>
-                <a:latin typeface="-apple-system"/>
-              </a:rPr>
-              <a:t>Software Development</a:t>
-            </a:r>
+            <a:pPr lvl="1"/>
             <a:endParaRPr lang="en-GB" sz="1200" b="0" i="0" dirty="0">
               <a:solidFill>
                 <a:srgbClr val="111111"/>
@@ -9432,23 +9380,19 @@
             </a:endParaRPr>
           </a:p>
           <a:p>
-            <a:pPr lvl="1">
-              <a:buFont typeface="+mj-lt"/>
-              <a:buAutoNum type="arabicPeriod"/>
-            </a:pPr>
-            <a:r>
-              <a:rPr lang="en-GB" sz="1200" b="1" i="0" dirty="0">
-                <a:solidFill>
-                  <a:srgbClr val="111111"/>
-                </a:solidFill>
-                <a:effectLst/>
-                <a:highlight>
-                  <a:srgbClr val="F7F7F7"/>
-                </a:highlight>
-                <a:latin typeface="-apple-system"/>
-              </a:rPr>
-              <a:t>Testing</a:t>
-            </a:r>
+            <a:pPr lvl="1"/>
+            <a:endParaRPr lang="en-GB" sz="1200" dirty="0">
+              <a:solidFill>
+                <a:srgbClr val="111111"/>
+              </a:solidFill>
+              <a:highlight>
+                <a:srgbClr val="F7F7F7"/>
+              </a:highlight>
+              <a:latin typeface="-apple-system"/>
+            </a:endParaRPr>
+          </a:p>
+          <a:p>
+            <a:pPr lvl="1"/>
             <a:endParaRPr lang="en-GB" sz="1200" b="0" i="0" dirty="0">
               <a:solidFill>
                 <a:srgbClr val="111111"/>
@@ -9461,10 +9405,7 @@
             </a:endParaRPr>
           </a:p>
           <a:p>
-            <a:pPr lvl="1">
-              <a:buFont typeface="+mj-lt"/>
-              <a:buAutoNum type="arabicPeriod"/>
-            </a:pPr>
+            <a:pPr algn="l"/>
             <a:r>
               <a:rPr lang="en-GB" sz="1200" b="1" i="0" dirty="0">
                 <a:solidFill>
@@ -9476,7 +9417,7 @@
                 </a:highlight>
                 <a:latin typeface="-apple-system"/>
               </a:rPr>
-              <a:t>Deployment</a:t>
+              <a:t>SDLC Model (Software Development Life Cycle)</a:t>
             </a:r>
             <a:endParaRPr lang="en-GB" sz="1200" b="0" i="0" dirty="0">
               <a:solidFill>
@@ -9505,22 +9446,10 @@
                 </a:highlight>
                 <a:latin typeface="-apple-system"/>
               </a:rPr>
-              <a:t>Operations and Maintenance</a:t>
-            </a:r>
-            <a:endParaRPr lang="en-GB" sz="1200" dirty="0">
-              <a:solidFill>
-                <a:srgbClr val="111111"/>
-              </a:solidFill>
-              <a:highlight>
-                <a:srgbClr val="F7F7F7"/>
-              </a:highlight>
-              <a:latin typeface="-apple-system"/>
-            </a:endParaRPr>
-          </a:p>
-          <a:p>
-            <a:pPr algn="l"/>
-            <a:r>
-              <a:rPr lang="en-GB" sz="1200" b="1" i="0" dirty="0">
+              <a:t>Planning</a:t>
+            </a:r>
+            <a:r>
+              <a:rPr lang="en-GB" sz="1200" b="0" i="0" dirty="0">
                 <a:solidFill>
                   <a:srgbClr val="111111"/>
                 </a:solidFill>
@@ -9530,7 +9459,26 @@
                 </a:highlight>
                 <a:latin typeface="-apple-system"/>
               </a:rPr>
-              <a:t>Requirement Analysis</a:t>
+              <a:t>: Involves business analysts to define requirements.</a:t>
+            </a:r>
+          </a:p>
+          <a:p>
+            <a:pPr lvl="1">
+              <a:buFont typeface="+mj-lt"/>
+              <a:buAutoNum type="arabicPeriod"/>
+            </a:pPr>
+            <a:r>
+              <a:rPr lang="en-GB" sz="1200" b="1" i="0" dirty="0">
+                <a:solidFill>
+                  <a:srgbClr val="111111"/>
+                </a:solidFill>
+                <a:effectLst/>
+                <a:highlight>
+                  <a:srgbClr val="F7F7F7"/>
+                </a:highlight>
+                <a:latin typeface="-apple-system"/>
+              </a:rPr>
+              <a:t>Design and Prototyping</a:t>
             </a:r>
             <a:endParaRPr lang="en-GB" sz="1200" b="0" i="0" dirty="0">
               <a:solidFill>
@@ -9544,6 +9492,147 @@
             </a:endParaRPr>
           </a:p>
           <a:p>
+            <a:pPr lvl="1">
+              <a:buFont typeface="+mj-lt"/>
+              <a:buAutoNum type="arabicPeriod"/>
+            </a:pPr>
+            <a:r>
+              <a:rPr lang="en-GB" sz="1200" b="1" i="0" dirty="0">
+                <a:solidFill>
+                  <a:srgbClr val="111111"/>
+                </a:solidFill>
+                <a:effectLst/>
+                <a:highlight>
+                  <a:srgbClr val="F7F7F7"/>
+                </a:highlight>
+                <a:latin typeface="-apple-system"/>
+              </a:rPr>
+              <a:t>Software Development</a:t>
+            </a:r>
+            <a:endParaRPr lang="en-GB" sz="1200" b="0" i="0" dirty="0">
+              <a:solidFill>
+                <a:srgbClr val="111111"/>
+              </a:solidFill>
+              <a:effectLst/>
+              <a:highlight>
+                <a:srgbClr val="F7F7F7"/>
+              </a:highlight>
+              <a:latin typeface="-apple-system"/>
+            </a:endParaRPr>
+          </a:p>
+          <a:p>
+            <a:pPr lvl="1">
+              <a:buFont typeface="+mj-lt"/>
+              <a:buAutoNum type="arabicPeriod"/>
+            </a:pPr>
+            <a:r>
+              <a:rPr lang="en-GB" sz="1200" b="1" i="0" dirty="0">
+                <a:solidFill>
+                  <a:srgbClr val="111111"/>
+                </a:solidFill>
+                <a:effectLst/>
+                <a:highlight>
+                  <a:srgbClr val="F7F7F7"/>
+                </a:highlight>
+                <a:latin typeface="-apple-system"/>
+              </a:rPr>
+              <a:t>Testing</a:t>
+            </a:r>
+            <a:endParaRPr lang="en-GB" sz="1200" b="0" i="0" dirty="0">
+              <a:solidFill>
+                <a:srgbClr val="111111"/>
+              </a:solidFill>
+              <a:effectLst/>
+              <a:highlight>
+                <a:srgbClr val="F7F7F7"/>
+              </a:highlight>
+              <a:latin typeface="-apple-system"/>
+            </a:endParaRPr>
+          </a:p>
+          <a:p>
+            <a:pPr lvl="1">
+              <a:buFont typeface="+mj-lt"/>
+              <a:buAutoNum type="arabicPeriod"/>
+            </a:pPr>
+            <a:r>
+              <a:rPr lang="en-GB" sz="1200" b="1" i="0" dirty="0">
+                <a:solidFill>
+                  <a:srgbClr val="111111"/>
+                </a:solidFill>
+                <a:effectLst/>
+                <a:highlight>
+                  <a:srgbClr val="F7F7F7"/>
+                </a:highlight>
+                <a:latin typeface="-apple-system"/>
+              </a:rPr>
+              <a:t>Deployment</a:t>
+            </a:r>
+            <a:endParaRPr lang="en-GB" sz="1200" b="0" i="0" dirty="0">
+              <a:solidFill>
+                <a:srgbClr val="111111"/>
+              </a:solidFill>
+              <a:effectLst/>
+              <a:highlight>
+                <a:srgbClr val="F7F7F7"/>
+              </a:highlight>
+              <a:latin typeface="-apple-system"/>
+            </a:endParaRPr>
+          </a:p>
+          <a:p>
+            <a:pPr lvl="1">
+              <a:buFont typeface="+mj-lt"/>
+              <a:buAutoNum type="arabicPeriod"/>
+            </a:pPr>
+            <a:r>
+              <a:rPr lang="en-GB" sz="1200" b="1" i="0" dirty="0">
+                <a:solidFill>
+                  <a:srgbClr val="111111"/>
+                </a:solidFill>
+                <a:effectLst/>
+                <a:highlight>
+                  <a:srgbClr val="F7F7F7"/>
+                </a:highlight>
+                <a:latin typeface="-apple-system"/>
+              </a:rPr>
+              <a:t>Operations and Maintenance</a:t>
+            </a:r>
+            <a:endParaRPr lang="en-GB" sz="1200" dirty="0">
+              <a:solidFill>
+                <a:srgbClr val="111111"/>
+              </a:solidFill>
+              <a:highlight>
+                <a:srgbClr val="F7F7F7"/>
+              </a:highlight>
+              <a:latin typeface="-apple-system"/>
+            </a:endParaRPr>
+          </a:p>
+          <a:p>
+            <a:pPr algn="l"/>
+            <a:r>
+              <a:rPr lang="en-GB" sz="1200" b="1" i="0" dirty="0">
+                <a:solidFill>
+                  <a:srgbClr val="111111"/>
+                </a:solidFill>
+                <a:effectLst/>
+                <a:highlight>
+                  <a:srgbClr val="F7F7F7"/>
+                </a:highlight>
+                <a:latin typeface="-apple-system"/>
+              </a:rPr>
+              <a:t>Requirement Analysis</a:t>
+            </a:r>
+            <a:endParaRPr lang="en-GB" sz="1200" b="0" i="0" dirty="0">
+              <a:solidFill>
+                <a:srgbClr val="111111"/>
+              </a:solidFill>
+              <a:effectLst/>
+              <a:highlight>
+                <a:srgbClr val="F7F7F7"/>
+              </a:highlight>
+              <a:latin typeface="-apple-system"/>
+            </a:endParaRPr>
+          </a:p>
+          <a:p>
             <a:pPr lvl="1"/>
             <a:r>
               <a:rPr lang="en-GB" sz="1200" b="1" i="0" dirty="0">
@@ -9685,10 +9774,13 @@
                 </a:highlight>
                 <a:latin typeface="-apple-system"/>
               </a:rPr>
-              <a:t>: Never assume; always ask. This was emphasized through a team activity where we </a:t>
-            </a:r>
-            <a:r>
-              <a:rPr lang="en-GB" sz="1200" b="0" i="0" dirty="0" err="1">
+              <a:t>: Never assume; always ask. This was emphasized through a team activity where we modelled a paper airplane.</a:t>
+            </a:r>
+          </a:p>
+          <a:p>
+            <a:pPr algn="l"/>
+            <a:r>
+              <a:rPr lang="en-GB" sz="1200" b="1" i="0" dirty="0">
                 <a:solidFill>
                   <a:srgbClr val="111111"/>
                 </a:solidFill>
@@ -9698,10 +9790,23 @@
                 </a:highlight>
                 <a:latin typeface="-apple-system"/>
               </a:rPr>
-              <a:t>modeled</a:t>
-            </a:r>
-            <a:r>
-              <a:rPr lang="en-GB" sz="1200" b="0" i="0" dirty="0">
+              <a:t>Requirement Elicitation</a:t>
+            </a:r>
+            <a:endParaRPr lang="en-GB" sz="1200" b="0" i="0" dirty="0">
+              <a:solidFill>
+                <a:srgbClr val="111111"/>
+              </a:solidFill>
+              <a:effectLst/>
+              <a:highlight>
+                <a:srgbClr val="F7F7F7"/>
+              </a:highlight>
+              <a:latin typeface="-apple-system"/>
+            </a:endParaRPr>
+          </a:p>
+          <a:p>
+            <a:pPr lvl="1"/>
+            <a:r>
+              <a:rPr lang="en-GB" sz="1200" b="1" i="0" dirty="0">
                 <a:solidFill>
                   <a:srgbClr val="111111"/>
                 </a:solidFill>
@@ -9711,8 +9816,34 @@
                 </a:highlight>
                 <a:latin typeface="-apple-system"/>
               </a:rPr>
-              <a:t> a paper airplane.</a:t>
-            </a:r>
+              <a:t>Definition</a:t>
+            </a:r>
+            <a:r>
+              <a:rPr lang="en-GB" sz="1200" b="0" i="0" dirty="0">
+                <a:solidFill>
+                  <a:srgbClr val="111111"/>
+                </a:solidFill>
+                <a:effectLst/>
+                <a:highlight>
+                  <a:srgbClr val="F7F7F7"/>
+                </a:highlight>
+                <a:latin typeface="-apple-system"/>
+              </a:rPr>
+              <a:t>: The practice of researching and discovering the requirements of a system from users, customers, and other stakeholders. Also known as “requirement gathering.”</a:t>
+            </a:r>
+          </a:p>
+          <a:p>
+            <a:pPr lvl="1"/>
+            <a:endParaRPr lang="en-GB" sz="1200" b="0" i="0" dirty="0">
+              <a:solidFill>
+                <a:srgbClr val="111111"/>
+              </a:solidFill>
+              <a:effectLst/>
+              <a:highlight>
+                <a:srgbClr val="F7F7F7"/>
+              </a:highlight>
+              <a:latin typeface="-apple-system"/>
+            </a:endParaRPr>
           </a:p>
           <a:p>
             <a:pPr lvl="1">
@@ -9732,6 +9863,53 @@
           </a:p>
         </p:txBody>
       </p:sp>
+      <p:pic>
+        <p:nvPicPr>
+          <p:cNvPr id="2052" name="Picture 4">
+            <a:extLst>
+              <a:ext uri="{FF2B5EF4-FFF2-40B4-BE49-F238E27FC236}">
+                <a16:creationId xmlns:a16="http://schemas.microsoft.com/office/drawing/2014/main" id="{BB17A5FE-B0AB-9AE6-D5D6-EC4A2106A87F}"/>
+              </a:ext>
+            </a:extLst>
+          </p:cNvPr>
+          <p:cNvPicPr>
+            <a:picLocks noChangeAspect="1" noChangeArrowheads="1"/>
+          </p:cNvPicPr>
+          <p:nvPr/>
+        </p:nvPicPr>
+        <p:blipFill>
+          <a:blip r:embed="rId7" cstate="screen">
+            <a:extLst>
+              <a:ext uri="{28A0092B-C50C-407E-A947-70E740481C1C}">
+                <a14:useLocalDpi xmlns:a14="http://schemas.microsoft.com/office/drawing/2010/main" val="0"/>
+              </a:ext>
+            </a:extLst>
+          </a:blip>
+          <a:srcRect/>
+          <a:stretch>
+            <a:fillRect/>
+          </a:stretch>
+        </p:blipFill>
+        <p:spPr bwMode="auto">
+          <a:xfrm>
+            <a:off x="1722920" y="3367468"/>
+            <a:ext cx="3339967" cy="1431415"/>
+          </a:xfrm>
+          <a:prstGeom prst="rect">
+            <a:avLst/>
+          </a:prstGeom>
+          <a:noFill/>
+          <a:extLst>
+            <a:ext uri="{909E8E84-426E-40DD-AFC4-6F175D3DCCD1}">
+              <a14:hiddenFill xmlns:a14="http://schemas.microsoft.com/office/drawing/2010/main">
+                <a:solidFill>
+                  <a:srgbClr val="FFFFFF"/>
+                </a:solidFill>
+              </a14:hiddenFill>
+            </a:ext>
+          </a:extLst>
+        </p:spPr>
+      </p:pic>
     </p:spTree>
     <p:extLst>
       <p:ext uri="{BB962C8B-B14F-4D97-AF65-F5344CB8AC3E}">
@@ -9746,6 +9924,320 @@
 </file>
 
 <file path=ppt/slides/slide4.xml><?xml version="1.0" encoding="utf-8"?>
+<p:sld xmlns:a="http://schemas.openxmlformats.org/drawingml/2006/main" xmlns:r="http://schemas.openxmlformats.org/officeDocument/2006/relationships" xmlns:p="http://schemas.openxmlformats.org/presentationml/2006/main">
+  <p:cSld>
+    <p:spTree>
+      <p:nvGrpSpPr>
+        <p:cNvPr id="1" name=""/>
+        <p:cNvGrpSpPr/>
+        <p:nvPr/>
+      </p:nvGrpSpPr>
+      <p:grpSpPr>
+        <a:xfrm>
+          <a:off x="0" y="0"/>
+          <a:ext cx="0" cy="0"/>
+          <a:chOff x="0" y="0"/>
+          <a:chExt cx="0" cy="0"/>
+        </a:xfrm>
+      </p:grpSpPr>
+      <p:graphicFrame>
+        <p:nvGraphicFramePr>
+          <p:cNvPr id="7" name="think-cell data - do not delete" hidden="1">
+            <a:extLst>
+              <a:ext uri="{FF2B5EF4-FFF2-40B4-BE49-F238E27FC236}">
+                <a16:creationId xmlns:a16="http://schemas.microsoft.com/office/drawing/2014/main" id="{3583FF9E-539E-FE29-E73B-3EF7E093601C}"/>
+              </a:ext>
+            </a:extLst>
+          </p:cNvPr>
+          <p:cNvGraphicFramePr>
+            <a:graphicFrameLocks noChangeAspect="1"/>
+          </p:cNvGraphicFramePr>
+          <p:nvPr>
+            <p:custDataLst>
+              <p:tags r:id="rId1"/>
+            </p:custDataLst>
+          </p:nvPr>
+        </p:nvGraphicFramePr>
+        <p:xfrm>
+          <a:off x="1588" y="1588"/>
+          <a:ext cx="1588" cy="1588"/>
+        </p:xfrm>
+        <a:graphic>
+          <a:graphicData uri="http://schemas.openxmlformats.org/presentationml/2006/ole">
+            <mc:AlternateContent xmlns:mc="http://schemas.openxmlformats.org/markup-compatibility/2006">
+              <mc:Choice xmlns:v="urn:schemas-microsoft-com:vml" Requires="v">
+                <p:oleObj name="think-cell Slide" r:id="rId3" imgW="395" imgH="394" progId="TCLayout.ActiveDocument.1">
+                  <p:embed/>
+                </p:oleObj>
+              </mc:Choice>
+              <mc:Fallback>
+                <p:oleObj name="think-cell Slide" r:id="rId3" imgW="395" imgH="394" progId="TCLayout.ActiveDocument.1">
+                  <p:embed/>
+                  <p:pic>
+                    <p:nvPicPr>
+                      <p:cNvPr id="7" name="think-cell data - do not delete" hidden="1">
+                        <a:extLst>
+                          <a:ext uri="{FF2B5EF4-FFF2-40B4-BE49-F238E27FC236}">
+                            <a16:creationId xmlns:a16="http://schemas.microsoft.com/office/drawing/2014/main" id="{3583FF9E-539E-FE29-E73B-3EF7E093601C}"/>
+                          </a:ext>
+                        </a:extLst>
+                      </p:cNvPr>
+                      <p:cNvPicPr/>
+                      <p:nvPr/>
+                    </p:nvPicPr>
+                    <p:blipFill>
+                      <a:blip r:embed="rId4"/>
+                      <a:stretch>
+                        <a:fillRect/>
+                      </a:stretch>
+                    </p:blipFill>
+                    <p:spPr>
+                      <a:xfrm>
+                        <a:off x="1588" y="1588"/>
+                        <a:ext cx="1588" cy="1588"/>
+                      </a:xfrm>
+                      <a:prstGeom prst="rect">
+                        <a:avLst/>
+                      </a:prstGeom>
+                    </p:spPr>
+                  </p:pic>
+                </p:oleObj>
+              </mc:Fallback>
+            </mc:AlternateContent>
+          </a:graphicData>
+        </a:graphic>
+      </p:graphicFrame>
+      <p:sp>
+        <p:nvSpPr>
+          <p:cNvPr id="10" name="Rectangle 9">
+            <a:extLst>
+              <a:ext uri="{FF2B5EF4-FFF2-40B4-BE49-F238E27FC236}">
+                <a16:creationId xmlns:a16="http://schemas.microsoft.com/office/drawing/2014/main" id="{8686D658-9330-BA20-4BC9-1E47EEC5B53D}"/>
+              </a:ext>
+            </a:extLst>
+          </p:cNvPr>
+          <p:cNvSpPr/>
+          <p:nvPr/>
+        </p:nvSpPr>
+        <p:spPr>
+          <a:xfrm>
+            <a:off x="10861040" y="0"/>
+            <a:ext cx="1330960" cy="1463040"/>
+          </a:xfrm>
+          <a:prstGeom prst="rect">
+            <a:avLst/>
+          </a:prstGeom>
+          <a:solidFill>
+            <a:srgbClr val="C00000"/>
+          </a:solidFill>
+          <a:ln>
+            <a:noFill/>
+          </a:ln>
+        </p:spPr>
+        <p:style>
+          <a:lnRef idx="2">
+            <a:schemeClr val="accent1">
+              <a:shade val="15000"/>
+            </a:schemeClr>
+          </a:lnRef>
+          <a:fillRef idx="1">
+            <a:schemeClr val="accent1"/>
+          </a:fillRef>
+          <a:effectRef idx="0">
+            <a:schemeClr val="accent1"/>
+          </a:effectRef>
+          <a:fontRef idx="minor">
+            <a:schemeClr val="lt1"/>
+          </a:fontRef>
+        </p:style>
+        <p:txBody>
+          <a:bodyPr rtlCol="0" anchor="ctr"/>
+          <a:lstStyle/>
+          <a:p>
+            <a:pPr algn="ctr"/>
+            <a:endParaRPr lang="en-IN"/>
+          </a:p>
+        </p:txBody>
+      </p:sp>
+      <p:sp>
+        <p:nvSpPr>
+          <p:cNvPr id="3" name="Title 2">
+            <a:extLst>
+              <a:ext uri="{FF2B5EF4-FFF2-40B4-BE49-F238E27FC236}">
+                <a16:creationId xmlns:a16="http://schemas.microsoft.com/office/drawing/2014/main" id="{CEA128C4-A0BC-A895-713C-306E7FF62894}"/>
+              </a:ext>
+            </a:extLst>
+          </p:cNvPr>
+          <p:cNvSpPr>
+            <a:spLocks noGrp="1"/>
+          </p:cNvSpPr>
+          <p:nvPr>
+            <p:ph type="title"/>
+          </p:nvPr>
+        </p:nvSpPr>
+        <p:spPr/>
+        <p:txBody>
+          <a:bodyPr vert="horz" anchor="ctr">
+            <a:noAutofit/>
+          </a:bodyPr>
+          <a:lstStyle/>
+          <a:p>
+            <a:r>
+              <a:rPr lang="en-US" b="1" dirty="0">
+                <a:effectLst>
+                  <a:outerShdw blurRad="38100" dist="38100" dir="2700000" algn="tl">
+                    <a:srgbClr val="000000">
+                      <a:alpha val="43137"/>
+                    </a:srgbClr>
+                  </a:outerShdw>
+                </a:effectLst>
+                <a:latin typeface="+mn-lt"/>
+                <a:cs typeface="+mj-cs"/>
+              </a:rPr>
+              <a:t>Learning 1 | My takeaways</a:t>
+            </a:r>
+            <a:endParaRPr lang="en-IN" sz="4000" i="1" u="sng" dirty="0">
+              <a:effectLst>
+                <a:outerShdw blurRad="38100" dist="38100" dir="2700000" algn="tl">
+                  <a:srgbClr val="000000">
+                    <a:alpha val="43137"/>
+                  </a:srgbClr>
+                </a:outerShdw>
+              </a:effectLst>
+              <a:highlight>
+                <a:srgbClr val="FF6600"/>
+              </a:highlight>
+            </a:endParaRPr>
+          </a:p>
+        </p:txBody>
+      </p:sp>
+      <p:sp>
+        <p:nvSpPr>
+          <p:cNvPr id="4" name="Slide Number Placeholder 3">
+            <a:extLst>
+              <a:ext uri="{FF2B5EF4-FFF2-40B4-BE49-F238E27FC236}">
+                <a16:creationId xmlns:a16="http://schemas.microsoft.com/office/drawing/2014/main" id="{82193751-E94F-32C7-DCCA-7D3244D279EA}"/>
+              </a:ext>
+            </a:extLst>
+          </p:cNvPr>
+          <p:cNvSpPr>
+            <a:spLocks noGrp="1"/>
+          </p:cNvSpPr>
+          <p:nvPr>
+            <p:ph type="sldNum" sz="quarter" idx="15"/>
+          </p:nvPr>
+        </p:nvSpPr>
+        <p:spPr/>
+        <p:txBody>
+          <a:bodyPr/>
+          <a:lstStyle/>
+          <a:p>
+            <a:fld id="{0879F475-59B1-4993-848A-C2B683DE9AF5}" type="slidenum">
+              <a:rPr lang="en-IN" smtClean="0"/>
+              <a:pPr/>
+              <a:t>4</a:t>
+            </a:fld>
+            <a:endParaRPr lang="en-IN" dirty="0"/>
+          </a:p>
+        </p:txBody>
+      </p:sp>
+      <p:pic>
+        <p:nvPicPr>
+          <p:cNvPr id="9" name="Graphic 8" descr="Idea outline">
+            <a:extLst>
+              <a:ext uri="{FF2B5EF4-FFF2-40B4-BE49-F238E27FC236}">
+                <a16:creationId xmlns:a16="http://schemas.microsoft.com/office/drawing/2014/main" id="{8701F636-0E69-F494-2D36-9D9665F8A8DA}"/>
+              </a:ext>
+            </a:extLst>
+          </p:cNvPr>
+          <p:cNvPicPr>
+            <a:picLocks noChangeAspect="1"/>
+          </p:cNvPicPr>
+          <p:nvPr/>
+        </p:nvPicPr>
+        <p:blipFill>
+          <a:blip r:embed="rId5">
+            <a:extLst>
+              <a:ext uri="{96DAC541-7B7A-43D3-8B79-37D633B846F1}">
+                <asvg:svgBlip xmlns:asvg="http://schemas.microsoft.com/office/drawing/2016/SVG/main" r:embed="rId6"/>
+              </a:ext>
+            </a:extLst>
+          </a:blip>
+          <a:stretch>
+            <a:fillRect/>
+          </a:stretch>
+        </p:blipFill>
+        <p:spPr>
+          <a:xfrm>
+            <a:off x="10957498" y="141532"/>
+            <a:ext cx="1159454" cy="1159454"/>
+          </a:xfrm>
+          <a:prstGeom prst="rect">
+            <a:avLst/>
+          </a:prstGeom>
+        </p:spPr>
+      </p:pic>
+      <p:pic>
+        <p:nvPicPr>
+          <p:cNvPr id="1026" name="Picture 2" descr="A Deep Dive into SDLC: From Planning to Deployment | Product Coalition">
+            <a:extLst>
+              <a:ext uri="{FF2B5EF4-FFF2-40B4-BE49-F238E27FC236}">
+                <a16:creationId xmlns:a16="http://schemas.microsoft.com/office/drawing/2014/main" id="{E2D4D65C-4131-CE30-D736-2BECF36C3DCA}"/>
+              </a:ext>
+            </a:extLst>
+          </p:cNvPr>
+          <p:cNvPicPr>
+            <a:picLocks noChangeAspect="1" noChangeArrowheads="1"/>
+          </p:cNvPicPr>
+          <p:nvPr/>
+        </p:nvPicPr>
+        <p:blipFill>
+          <a:blip r:embed="rId7">
+            <a:extLst>
+              <a:ext uri="{28A0092B-C50C-407E-A947-70E740481C1C}">
+                <a14:useLocalDpi xmlns:a14="http://schemas.microsoft.com/office/drawing/2010/main" val="0"/>
+              </a:ext>
+            </a:extLst>
+          </a:blip>
+          <a:srcRect/>
+          <a:stretch>
+            <a:fillRect/>
+          </a:stretch>
+        </p:blipFill>
+        <p:spPr bwMode="auto">
+          <a:xfrm>
+            <a:off x="1688376" y="1269131"/>
+            <a:ext cx="8810625" cy="4762500"/>
+          </a:xfrm>
+          <a:prstGeom prst="rect">
+            <a:avLst/>
+          </a:prstGeom>
+          <a:noFill/>
+          <a:extLst>
+            <a:ext uri="{909E8E84-426E-40DD-AFC4-6F175D3DCCD1}">
+              <a14:hiddenFill xmlns:a14="http://schemas.microsoft.com/office/drawing/2010/main">
+                <a:solidFill>
+                  <a:srgbClr val="FFFFFF"/>
+                </a:solidFill>
+              </a14:hiddenFill>
+            </a:ext>
+          </a:extLst>
+        </p:spPr>
+      </p:pic>
+    </p:spTree>
+    <p:extLst>
+      <p:ext uri="{BB962C8B-B14F-4D97-AF65-F5344CB8AC3E}">
+        <p14:creationId xmlns:p14="http://schemas.microsoft.com/office/powerpoint/2010/main" val="862264901"/>
+      </p:ext>
+    </p:extLst>
+  </p:cSld>
+  <p:clrMapOvr>
+    <a:masterClrMapping/>
+  </p:clrMapOvr>
+</p:sld>
+</file>
+
+<file path=ppt/slides/slide5.xml><?xml version="1.0" encoding="utf-8"?>
 <p:sld xmlns:a="http://schemas.openxmlformats.org/drawingml/2006/main" xmlns:r="http://schemas.openxmlformats.org/officeDocument/2006/relationships" xmlns:p="http://schemas.openxmlformats.org/presentationml/2006/main">
   <p:cSld>
     <p:spTree>
@@ -9962,7 +10454,7 @@
             <a:fld id="{0879F475-59B1-4993-848A-C2B683DE9AF5}" type="slidenum">
               <a:rPr lang="en-IN" smtClean="0"/>
               <a:pPr/>
-              <a:t>4</a:t>
+              <a:t>5</a:t>
             </a:fld>
             <a:endParaRPr lang="en-IN" dirty="0"/>
           </a:p>
@@ -10041,7 +10533,7 @@
           </a:effectLst>
         </p:spPr>
         <p:txBody>
-          <a:bodyPr/>
+          <a:bodyPr numCol="2"/>
           <a:lstStyle>
             <a:lvl1pPr marL="228600" indent="-228600" algn="l" defTabSz="914400" rtl="0" eaLnBrk="1" latinLnBrk="0" hangingPunct="1">
               <a:lnSpc>
@@ -10207,61 +10699,6 @@
             </a:lvl9pPr>
           </a:lstStyle>
           <a:p>
-            <a:pPr algn="l"/>
-            <a:r>
-              <a:rPr lang="en-GB" sz="1100" b="1" i="0" dirty="0">
-                <a:solidFill>
-                  <a:srgbClr val="111111"/>
-                </a:solidFill>
-                <a:effectLst/>
-                <a:highlight>
-                  <a:srgbClr val="F7F7F7"/>
-                </a:highlight>
-                <a:latin typeface="-apple-system"/>
-              </a:rPr>
-              <a:t>Requirement Elicitation</a:t>
-            </a:r>
-            <a:endParaRPr lang="en-GB" sz="1100" b="0" i="0" dirty="0">
-              <a:solidFill>
-                <a:srgbClr val="111111"/>
-              </a:solidFill>
-              <a:effectLst/>
-              <a:highlight>
-                <a:srgbClr val="F7F7F7"/>
-              </a:highlight>
-              <a:latin typeface="-apple-system"/>
-            </a:endParaRPr>
-          </a:p>
-          <a:p>
-            <a:pPr lvl="1"/>
-            <a:r>
-              <a:rPr lang="en-GB" sz="1100" b="1" i="0" dirty="0">
-                <a:solidFill>
-                  <a:srgbClr val="111111"/>
-                </a:solidFill>
-                <a:effectLst/>
-                <a:highlight>
-                  <a:srgbClr val="F7F7F7"/>
-                </a:highlight>
-                <a:latin typeface="-apple-system"/>
-              </a:rPr>
-              <a:t>Definition</a:t>
-            </a:r>
-            <a:r>
-              <a:rPr lang="en-GB" sz="1100" b="0" i="0" dirty="0">
-                <a:solidFill>
-                  <a:srgbClr val="111111"/>
-                </a:solidFill>
-                <a:effectLst/>
-                <a:highlight>
-                  <a:srgbClr val="F7F7F7"/>
-                </a:highlight>
-                <a:latin typeface="-apple-system"/>
-              </a:rPr>
-              <a:t>: The practice of researching and discovering the requirements of a system from users, customers, and other stakeholders. Also known as “requirement gathering.”</a:t>
-            </a:r>
-          </a:p>
-          <a:p>
             <a:pPr algn="l">
               <a:buFont typeface="Arial" panose="020B0604020202020204" pitchFamily="34" charset="0"/>
               <a:buChar char="•"/>
@@ -10344,20 +10781,7 @@
                 </a:highlight>
                 <a:latin typeface="-apple-system"/>
               </a:rPr>
-              <a:t>Requirement </a:t>
-            </a:r>
-            <a:r>
-              <a:rPr lang="en-GB" sz="1100" b="1" i="0" dirty="0" err="1">
-                <a:solidFill>
-                  <a:srgbClr val="111111"/>
-                </a:solidFill>
-                <a:effectLst/>
-                <a:highlight>
-                  <a:srgbClr val="F7F7F7"/>
-                </a:highlight>
-                <a:latin typeface="-apple-system"/>
-              </a:rPr>
-              <a:t>Modeling</a:t>
+              <a:t>Requirement Modelling</a:t>
             </a:r>
             <a:endParaRPr lang="en-GB" sz="1100" b="0" i="0" dirty="0">
               <a:solidFill>
@@ -10699,6 +11123,53 @@
           </a:p>
         </p:txBody>
       </p:sp>
+      <p:pic>
+        <p:nvPicPr>
+          <p:cNvPr id="4098" name="Picture 2" descr="Project Management Methodologies: Waterfall, Agile, Scrum, and Kanban">
+            <a:extLst>
+              <a:ext uri="{FF2B5EF4-FFF2-40B4-BE49-F238E27FC236}">
+                <a16:creationId xmlns:a16="http://schemas.microsoft.com/office/drawing/2014/main" id="{23B27DBB-F7AC-6CE6-3D0D-9C246FFF1214}"/>
+              </a:ext>
+            </a:extLst>
+          </p:cNvPr>
+          <p:cNvPicPr>
+            <a:picLocks noChangeAspect="1" noChangeArrowheads="1"/>
+          </p:cNvPicPr>
+          <p:nvPr/>
+        </p:nvPicPr>
+        <p:blipFill>
+          <a:blip r:embed="rId7">
+            <a:extLst>
+              <a:ext uri="{28A0092B-C50C-407E-A947-70E740481C1C}">
+                <a14:useLocalDpi xmlns:a14="http://schemas.microsoft.com/office/drawing/2010/main" val="0"/>
+              </a:ext>
+            </a:extLst>
+          </a:blip>
+          <a:srcRect/>
+          <a:stretch>
+            <a:fillRect/>
+          </a:stretch>
+        </p:blipFill>
+        <p:spPr bwMode="auto">
+          <a:xfrm>
+            <a:off x="6268345" y="2270775"/>
+            <a:ext cx="5268880" cy="3256676"/>
+          </a:xfrm>
+          <a:prstGeom prst="rect">
+            <a:avLst/>
+          </a:prstGeom>
+          <a:noFill/>
+          <a:extLst>
+            <a:ext uri="{909E8E84-426E-40DD-AFC4-6F175D3DCCD1}">
+              <a14:hiddenFill xmlns:a14="http://schemas.microsoft.com/office/drawing/2010/main">
+                <a:solidFill>
+                  <a:srgbClr val="FFFFFF"/>
+                </a:solidFill>
+              </a14:hiddenFill>
+            </a:ext>
+          </a:extLst>
+        </p:spPr>
+      </p:pic>
     </p:spTree>
     <p:extLst>
       <p:ext uri="{BB962C8B-B14F-4D97-AF65-F5344CB8AC3E}">
@@ -10712,7 +11183,7 @@
 </p:sld>
 </file>
 
-<file path=ppt/slides/slide5.xml><?xml version="1.0" encoding="utf-8"?>
+<file path=ppt/slides/slide6.xml><?xml version="1.0" encoding="utf-8"?>
 <p:sld xmlns:a="http://schemas.openxmlformats.org/drawingml/2006/main" xmlns:r="http://schemas.openxmlformats.org/officeDocument/2006/relationships" xmlns:p="http://schemas.openxmlformats.org/presentationml/2006/main">
   <p:cSld>
     <p:spTree>
@@ -10929,7 +11400,7 @@
             <a:fld id="{0879F475-59B1-4993-848A-C2B683DE9AF5}" type="slidenum">
               <a:rPr lang="en-IN" smtClean="0"/>
               <a:pPr/>
-              <a:t>5</a:t>
+              <a:t>6</a:t>
             </a:fld>
             <a:endParaRPr lang="en-IN" dirty="0"/>
           </a:p>
@@ -11008,7 +11479,7 @@
           </a:effectLst>
         </p:spPr>
         <p:txBody>
-          <a:bodyPr/>
+          <a:bodyPr numCol="2"/>
           <a:lstStyle>
             <a:lvl1pPr marL="228600" indent="-228600" algn="l" defTabSz="914400" rtl="0" eaLnBrk="1" latinLnBrk="0" hangingPunct="1">
               <a:lnSpc>
@@ -11458,6 +11929,106 @@
           </a:p>
           <a:p>
             <a:pPr algn="l"/>
+            <a:endParaRPr lang="en-GB" sz="1400" b="1" i="0" dirty="0">
+              <a:solidFill>
+                <a:srgbClr val="111111"/>
+              </a:solidFill>
+              <a:effectLst/>
+              <a:highlight>
+                <a:srgbClr val="F7F7F7"/>
+              </a:highlight>
+              <a:latin typeface="-apple-system"/>
+            </a:endParaRPr>
+          </a:p>
+          <a:p>
+            <a:pPr algn="l"/>
+            <a:endParaRPr lang="en-GB" sz="1400" b="1" dirty="0">
+              <a:solidFill>
+                <a:srgbClr val="111111"/>
+              </a:solidFill>
+              <a:highlight>
+                <a:srgbClr val="F7F7F7"/>
+              </a:highlight>
+              <a:latin typeface="-apple-system"/>
+            </a:endParaRPr>
+          </a:p>
+          <a:p>
+            <a:pPr algn="l"/>
+            <a:endParaRPr lang="en-GB" sz="1400" b="1" i="0" dirty="0">
+              <a:solidFill>
+                <a:srgbClr val="111111"/>
+              </a:solidFill>
+              <a:effectLst/>
+              <a:highlight>
+                <a:srgbClr val="F7F7F7"/>
+              </a:highlight>
+              <a:latin typeface="-apple-system"/>
+            </a:endParaRPr>
+          </a:p>
+          <a:p>
+            <a:pPr algn="l"/>
+            <a:endParaRPr lang="en-GB" sz="1400" b="1" dirty="0">
+              <a:solidFill>
+                <a:srgbClr val="111111"/>
+              </a:solidFill>
+              <a:highlight>
+                <a:srgbClr val="F7F7F7"/>
+              </a:highlight>
+              <a:latin typeface="-apple-system"/>
+            </a:endParaRPr>
+          </a:p>
+          <a:p>
+            <a:pPr algn="l"/>
+            <a:endParaRPr lang="en-GB" sz="1400" b="1" i="0" dirty="0">
+              <a:solidFill>
+                <a:srgbClr val="111111"/>
+              </a:solidFill>
+              <a:effectLst/>
+              <a:highlight>
+                <a:srgbClr val="F7F7F7"/>
+              </a:highlight>
+              <a:latin typeface="-apple-system"/>
+            </a:endParaRPr>
+          </a:p>
+          <a:p>
+            <a:pPr algn="l"/>
+            <a:endParaRPr lang="en-GB" sz="1400" b="1" dirty="0">
+              <a:solidFill>
+                <a:srgbClr val="111111"/>
+              </a:solidFill>
+              <a:highlight>
+                <a:srgbClr val="F7F7F7"/>
+              </a:highlight>
+              <a:latin typeface="-apple-system"/>
+            </a:endParaRPr>
+          </a:p>
+          <a:p>
+            <a:pPr algn="l"/>
+            <a:endParaRPr lang="en-GB" sz="1400" b="1" i="0" dirty="0">
+              <a:solidFill>
+                <a:srgbClr val="111111"/>
+              </a:solidFill>
+              <a:effectLst/>
+              <a:highlight>
+                <a:srgbClr val="F7F7F7"/>
+              </a:highlight>
+              <a:latin typeface="-apple-system"/>
+            </a:endParaRPr>
+          </a:p>
+          <a:p>
+            <a:pPr algn="l"/>
+            <a:endParaRPr lang="en-GB" sz="1400" b="1" dirty="0">
+              <a:solidFill>
+                <a:srgbClr val="111111"/>
+              </a:solidFill>
+              <a:highlight>
+                <a:srgbClr val="F7F7F7"/>
+              </a:highlight>
+              <a:latin typeface="-apple-system"/>
+            </a:endParaRPr>
+          </a:p>
+          <a:p>
+            <a:pPr algn="l"/>
             <a:r>
               <a:rPr lang="en-GB" sz="1400" b="1" i="0" dirty="0">
                 <a:solidFill>
@@ -11513,6 +12084,53 @@
           </a:p>
         </p:txBody>
       </p:sp>
+      <p:pic>
+        <p:nvPicPr>
+          <p:cNvPr id="5" name="Picture 4" descr="Transforming the Way we Work- Scrum, Waterfall or just Go “Agile&quot; - Part I">
+            <a:extLst>
+              <a:ext uri="{FF2B5EF4-FFF2-40B4-BE49-F238E27FC236}">
+                <a16:creationId xmlns:a16="http://schemas.microsoft.com/office/drawing/2014/main" id="{3E571120-52D3-8A08-BC55-CD3459A7D762}"/>
+              </a:ext>
+            </a:extLst>
+          </p:cNvPr>
+          <p:cNvPicPr>
+            <a:picLocks noChangeAspect="1" noChangeArrowheads="1"/>
+          </p:cNvPicPr>
+          <p:nvPr/>
+        </p:nvPicPr>
+        <p:blipFill>
+          <a:blip r:embed="rId7" cstate="screen">
+            <a:extLst>
+              <a:ext uri="{28A0092B-C50C-407E-A947-70E740481C1C}">
+                <a14:useLocalDpi xmlns:a14="http://schemas.microsoft.com/office/drawing/2010/main" val="0"/>
+              </a:ext>
+            </a:extLst>
+          </a:blip>
+          <a:srcRect/>
+          <a:stretch>
+            <a:fillRect/>
+          </a:stretch>
+        </p:blipFill>
+        <p:spPr bwMode="auto">
+          <a:xfrm>
+            <a:off x="6591969" y="2195362"/>
+            <a:ext cx="4934551" cy="2467276"/>
+          </a:xfrm>
+          <a:prstGeom prst="rect">
+            <a:avLst/>
+          </a:prstGeom>
+          <a:noFill/>
+          <a:extLst>
+            <a:ext uri="{909E8E84-426E-40DD-AFC4-6F175D3DCCD1}">
+              <a14:hiddenFill xmlns:a14="http://schemas.microsoft.com/office/drawing/2010/main">
+                <a:solidFill>
+                  <a:srgbClr val="FFFFFF"/>
+                </a:solidFill>
+              </a14:hiddenFill>
+            </a:ext>
+          </a:extLst>
+        </p:spPr>
+      </p:pic>
     </p:spTree>
     <p:extLst>
       <p:ext uri="{BB962C8B-B14F-4D97-AF65-F5344CB8AC3E}">
@@ -11526,7 +12144,7 @@
 </p:sld>
 </file>
 
-<file path=ppt/slides/slide6.xml><?xml version="1.0" encoding="utf-8"?>
+<file path=ppt/slides/slide7.xml><?xml version="1.0" encoding="utf-8"?>
 <p:sld xmlns:a="http://schemas.openxmlformats.org/drawingml/2006/main" xmlns:r="http://schemas.openxmlformats.org/officeDocument/2006/relationships" xmlns:p="http://schemas.openxmlformats.org/presentationml/2006/main">
   <p:cSld>
     <p:spTree>
@@ -11738,7 +12356,7 @@
             <a:fld id="{0879F475-59B1-4993-848A-C2B683DE9AF5}" type="slidenum">
               <a:rPr lang="en-IN" smtClean="0"/>
               <a:pPr/>
-              <a:t>6</a:t>
+              <a:t>7</a:t>
             </a:fld>
             <a:endParaRPr lang="en-IN" dirty="0"/>
           </a:p>
@@ -11817,7 +12435,7 @@
           </a:effectLst>
         </p:spPr>
         <p:txBody>
-          <a:bodyPr/>
+          <a:bodyPr numCol="2"/>
           <a:lstStyle>
             <a:lvl1pPr marL="228600" indent="-228600" algn="l" defTabSz="914400" rtl="0" eaLnBrk="1" latinLnBrk="0" hangingPunct="1">
               <a:lnSpc>
@@ -12037,7 +12655,7 @@
                 </a:highlight>
                 <a:latin typeface="-apple-system"/>
               </a:rPr>
-              <a:t>: A 2-4 week period to accomplish a goal.</a:t>
+              <a:t>: A 2–4-week period to accomplish a goal.</a:t>
             </a:r>
           </a:p>
           <a:p>
@@ -12356,6 +12974,53 @@
           </a:p>
         </p:txBody>
       </p:sp>
+      <p:pic>
+        <p:nvPicPr>
+          <p:cNvPr id="6146" name="Picture 2" descr="The Scrum Framework: You are doing it wrong! | Sprint Agile">
+            <a:extLst>
+              <a:ext uri="{FF2B5EF4-FFF2-40B4-BE49-F238E27FC236}">
+                <a16:creationId xmlns:a16="http://schemas.microsoft.com/office/drawing/2014/main" id="{09087794-50FB-CFBB-9F23-EB98843A0222}"/>
+              </a:ext>
+            </a:extLst>
+          </p:cNvPr>
+          <p:cNvPicPr>
+            <a:picLocks noChangeAspect="1" noChangeArrowheads="1"/>
+          </p:cNvPicPr>
+          <p:nvPr/>
+        </p:nvPicPr>
+        <p:blipFill>
+          <a:blip r:embed="rId7" cstate="screen">
+            <a:extLst>
+              <a:ext uri="{28A0092B-C50C-407E-A947-70E740481C1C}">
+                <a14:useLocalDpi xmlns:a14="http://schemas.microsoft.com/office/drawing/2010/main" val="0"/>
+              </a:ext>
+            </a:extLst>
+          </a:blip>
+          <a:srcRect/>
+          <a:stretch>
+            <a:fillRect/>
+          </a:stretch>
+        </p:blipFill>
+        <p:spPr bwMode="auto">
+          <a:xfrm>
+            <a:off x="6476569" y="3041582"/>
+            <a:ext cx="5281706" cy="2888433"/>
+          </a:xfrm>
+          <a:prstGeom prst="rect">
+            <a:avLst/>
+          </a:prstGeom>
+          <a:noFill/>
+          <a:extLst>
+            <a:ext uri="{909E8E84-426E-40DD-AFC4-6F175D3DCCD1}">
+              <a14:hiddenFill xmlns:a14="http://schemas.microsoft.com/office/drawing/2010/main">
+                <a:solidFill>
+                  <a:srgbClr val="FFFFFF"/>
+                </a:solidFill>
+              </a14:hiddenFill>
+            </a:ext>
+          </a:extLst>
+        </p:spPr>
+      </p:pic>
     </p:spTree>
     <p:extLst>
       <p:ext uri="{BB962C8B-B14F-4D97-AF65-F5344CB8AC3E}">
@@ -12369,7 +13034,7 @@
 </p:sld>
 </file>
 
-<file path=ppt/slides/slide7.xml><?xml version="1.0" encoding="utf-8"?>
+<file path=ppt/slides/slide8.xml><?xml version="1.0" encoding="utf-8"?>
 <p:sld xmlns:a="http://schemas.openxmlformats.org/drawingml/2006/main" xmlns:r="http://schemas.openxmlformats.org/officeDocument/2006/relationships" xmlns:p="http://schemas.openxmlformats.org/presentationml/2006/main">
   <p:cSld>
     <p:spTree>
@@ -12595,7 +13260,7 @@
             <a:fld id="{0879F475-59B1-4993-848A-C2B683DE9AF5}" type="slidenum">
               <a:rPr lang="en-IN" smtClean="0"/>
               <a:pPr/>
-              <a:t>7</a:t>
+              <a:t>8</a:t>
             </a:fld>
             <a:endParaRPr lang="en-IN" dirty="0"/>
           </a:p>
@@ -12674,7 +13339,7 @@
           </a:effectLst>
         </p:spPr>
         <p:txBody>
-          <a:bodyPr/>
+          <a:bodyPr numCol="2"/>
           <a:lstStyle>
             <a:lvl1pPr marL="228600" indent="-228600" algn="l" defTabSz="914400" rtl="0" eaLnBrk="1" latinLnBrk="0" hangingPunct="1">
               <a:lnSpc>
@@ -13108,6 +13773,131 @@
           </a:p>
           <a:p>
             <a:pPr algn="l"/>
+            <a:endParaRPr lang="en-GB" b="1" i="0" dirty="0">
+              <a:solidFill>
+                <a:srgbClr val="111111"/>
+              </a:solidFill>
+              <a:effectLst/>
+              <a:highlight>
+                <a:srgbClr val="F7F7F7"/>
+              </a:highlight>
+              <a:latin typeface="-apple-system"/>
+            </a:endParaRPr>
+          </a:p>
+          <a:p>
+            <a:pPr algn="l"/>
+            <a:endParaRPr lang="en-GB" b="1" dirty="0">
+              <a:solidFill>
+                <a:srgbClr val="111111"/>
+              </a:solidFill>
+              <a:highlight>
+                <a:srgbClr val="F7F7F7"/>
+              </a:highlight>
+              <a:latin typeface="-apple-system"/>
+            </a:endParaRPr>
+          </a:p>
+          <a:p>
+            <a:pPr algn="l"/>
+            <a:endParaRPr lang="en-GB" b="1" i="0" dirty="0">
+              <a:solidFill>
+                <a:srgbClr val="111111"/>
+              </a:solidFill>
+              <a:effectLst/>
+              <a:highlight>
+                <a:srgbClr val="F7F7F7"/>
+              </a:highlight>
+              <a:latin typeface="-apple-system"/>
+            </a:endParaRPr>
+          </a:p>
+          <a:p>
+            <a:pPr algn="l"/>
+            <a:endParaRPr lang="en-GB" b="1" dirty="0">
+              <a:solidFill>
+                <a:srgbClr val="111111"/>
+              </a:solidFill>
+              <a:highlight>
+                <a:srgbClr val="F7F7F7"/>
+              </a:highlight>
+              <a:latin typeface="-apple-system"/>
+            </a:endParaRPr>
+          </a:p>
+          <a:p>
+            <a:pPr algn="l"/>
+            <a:endParaRPr lang="en-GB" b="1" i="0" dirty="0">
+              <a:solidFill>
+                <a:srgbClr val="111111"/>
+              </a:solidFill>
+              <a:effectLst/>
+              <a:highlight>
+                <a:srgbClr val="F7F7F7"/>
+              </a:highlight>
+              <a:latin typeface="-apple-system"/>
+            </a:endParaRPr>
+          </a:p>
+          <a:p>
+            <a:pPr algn="l"/>
+            <a:endParaRPr lang="en-GB" b="1" dirty="0">
+              <a:solidFill>
+                <a:srgbClr val="111111"/>
+              </a:solidFill>
+              <a:highlight>
+                <a:srgbClr val="F7F7F7"/>
+              </a:highlight>
+              <a:latin typeface="-apple-system"/>
+            </a:endParaRPr>
+          </a:p>
+          <a:p>
+            <a:pPr algn="l"/>
+            <a:endParaRPr lang="en-GB" b="1" i="0" dirty="0">
+              <a:solidFill>
+                <a:srgbClr val="111111"/>
+              </a:solidFill>
+              <a:effectLst/>
+              <a:highlight>
+                <a:srgbClr val="F7F7F7"/>
+              </a:highlight>
+              <a:latin typeface="-apple-system"/>
+            </a:endParaRPr>
+          </a:p>
+          <a:p>
+            <a:pPr algn="l"/>
+            <a:endParaRPr lang="en-GB" b="1" dirty="0">
+              <a:solidFill>
+                <a:srgbClr val="111111"/>
+              </a:solidFill>
+              <a:highlight>
+                <a:srgbClr val="F7F7F7"/>
+              </a:highlight>
+              <a:latin typeface="-apple-system"/>
+            </a:endParaRPr>
+          </a:p>
+          <a:p>
+            <a:pPr algn="l"/>
+            <a:endParaRPr lang="en-GB" b="1" i="0" dirty="0">
+              <a:solidFill>
+                <a:srgbClr val="111111"/>
+              </a:solidFill>
+              <a:effectLst/>
+              <a:highlight>
+                <a:srgbClr val="F7F7F7"/>
+              </a:highlight>
+              <a:latin typeface="-apple-system"/>
+            </a:endParaRPr>
+          </a:p>
+          <a:p>
+            <a:pPr algn="l"/>
+            <a:endParaRPr lang="en-GB" b="1" dirty="0">
+              <a:solidFill>
+                <a:srgbClr val="111111"/>
+              </a:solidFill>
+              <a:highlight>
+                <a:srgbClr val="F7F7F7"/>
+              </a:highlight>
+              <a:latin typeface="-apple-system"/>
+            </a:endParaRPr>
+          </a:p>
+          <a:p>
+            <a:pPr algn="l"/>
             <a:r>
               <a:rPr lang="en-GB" b="1" i="0" dirty="0">
                 <a:solidFill>
@@ -13150,6 +13940,53 @@
           </a:p>
         </p:txBody>
       </p:sp>
+      <p:pic>
+        <p:nvPicPr>
+          <p:cNvPr id="7174" name="Picture 6" descr="How to Refine Product Backlog?">
+            <a:extLst>
+              <a:ext uri="{FF2B5EF4-FFF2-40B4-BE49-F238E27FC236}">
+                <a16:creationId xmlns:a16="http://schemas.microsoft.com/office/drawing/2014/main" id="{5CA782E7-0BF9-C97C-7E92-19E0818223F8}"/>
+              </a:ext>
+            </a:extLst>
+          </p:cNvPr>
+          <p:cNvPicPr>
+            <a:picLocks noChangeAspect="1" noChangeArrowheads="1"/>
+          </p:cNvPicPr>
+          <p:nvPr/>
+        </p:nvPicPr>
+        <p:blipFill>
+          <a:blip r:embed="rId7">
+            <a:extLst>
+              <a:ext uri="{28A0092B-C50C-407E-A947-70E740481C1C}">
+                <a14:useLocalDpi xmlns:a14="http://schemas.microsoft.com/office/drawing/2010/main" val="0"/>
+              </a:ext>
+            </a:extLst>
+          </a:blip>
+          <a:srcRect/>
+          <a:stretch>
+            <a:fillRect/>
+          </a:stretch>
+        </p:blipFill>
+        <p:spPr bwMode="auto">
+          <a:xfrm>
+            <a:off x="6458731" y="1996857"/>
+            <a:ext cx="4808709" cy="2864286"/>
+          </a:xfrm>
+          <a:prstGeom prst="rect">
+            <a:avLst/>
+          </a:prstGeom>
+          <a:noFill/>
+          <a:extLst>
+            <a:ext uri="{909E8E84-426E-40DD-AFC4-6F175D3DCCD1}">
+              <a14:hiddenFill xmlns:a14="http://schemas.microsoft.com/office/drawing/2010/main">
+                <a:solidFill>
+                  <a:srgbClr val="FFFFFF"/>
+                </a:solidFill>
+              </a14:hiddenFill>
+            </a:ext>
+          </a:extLst>
+        </p:spPr>
+      </p:pic>
     </p:spTree>
     <p:extLst>
       <p:ext uri="{BB962C8B-B14F-4D97-AF65-F5344CB8AC3E}">
@@ -13163,7 +14000,7 @@
 </p:sld>
 </file>
 
-<file path=ppt/slides/slide8.xml><?xml version="1.0" encoding="utf-8"?>
+<file path=ppt/slides/slide9.xml><?xml version="1.0" encoding="utf-8"?>
 <p:sld xmlns:a="http://schemas.openxmlformats.org/drawingml/2006/main" xmlns:r="http://schemas.openxmlformats.org/officeDocument/2006/relationships" xmlns:p="http://schemas.openxmlformats.org/presentationml/2006/main">
   <p:cSld>
     <p:spTree>
@@ -13277,6 +14114,12 @@
 </file>
 
 <file path=ppt/tags/tag7.xml><?xml version="1.0" encoding="utf-8"?>
+<p:tagLst xmlns:a="http://schemas.openxmlformats.org/drawingml/2006/main" xmlns:r="http://schemas.openxmlformats.org/officeDocument/2006/relationships" xmlns:p="http://schemas.openxmlformats.org/presentationml/2006/main">
+  <p:tag name="THINKCELLSHAPEDONOTDELETE" val="thinkcellActiveDocDoNotDelete"/>
+</p:tagLst>
+</file>
+
+<file path=ppt/tags/tag8.xml><?xml version="1.0" encoding="utf-8"?>
 <p:tagLst xmlns:a="http://schemas.openxmlformats.org/drawingml/2006/main" xmlns:r="http://schemas.openxmlformats.org/officeDocument/2006/relationships" xmlns:p="http://schemas.openxmlformats.org/presentationml/2006/main">
   <p:tag name="THINKCELLSHAPEDONOTDELETE" val="thinkcellActiveDocDoNotDelete"/>
 </p:tagLst>
@@ -14074,11 +14917,12 @@
 </file>
 
 <file path=customXml/item1.xml><?xml version="1.0" encoding="utf-8"?>
-<p:properties xmlns:p="http://schemas.microsoft.com/office/2006/metadata/properties" xmlns:xsi="http://www.w3.org/2001/XMLSchema-instance" xmlns:pc="http://schemas.microsoft.com/office/infopath/2007/PartnerControls">
-  <documentManagement>
-    <_activity xmlns="d64320fb-f9a3-4131-8206-9d18da17abe9" xsi:nil="true"/>
-  </documentManagement>
-</p:properties>
+<?mso-contentType ?>
+<FormTemplates xmlns="http://schemas.microsoft.com/sharepoint/v3/contenttype/forms">
+  <Display>DocumentLibraryForm</Display>
+  <Edit>DocumentLibraryForm</Edit>
+  <New>DocumentLibraryForm</New>
+</FormTemplates>
 </file>
 
 <file path=customXml/item2.xml><?xml version="1.0" encoding="utf-8"?>
@@ -14335,27 +15179,17 @@
 </file>
 
 <file path=customXml/item3.xml><?xml version="1.0" encoding="utf-8"?>
-<?mso-contentType ?>
-<FormTemplates xmlns="http://schemas.microsoft.com/sharepoint/v3/contenttype/forms">
-  <Display>DocumentLibraryForm</Display>
-  <Edit>DocumentLibraryForm</Edit>
-  <New>DocumentLibraryForm</New>
-</FormTemplates>
+<p:properties xmlns:p="http://schemas.microsoft.com/office/2006/metadata/properties" xmlns:xsi="http://www.w3.org/2001/XMLSchema-instance" xmlns:pc="http://schemas.microsoft.com/office/infopath/2007/PartnerControls">
+  <documentManagement>
+    <_activity xmlns="d64320fb-f9a3-4131-8206-9d18da17abe9" xsi:nil="true"/>
+  </documentManagement>
+</p:properties>
 </file>
 
 <file path=customXml/itemProps1.xml><?xml version="1.0" encoding="utf-8"?>
-<ds:datastoreItem xmlns:ds="http://schemas.openxmlformats.org/officeDocument/2006/customXml" ds:itemID="{1DADF44A-8650-472F-B2D9-50E27F0769F7}">
+<ds:datastoreItem xmlns:ds="http://schemas.openxmlformats.org/officeDocument/2006/customXml" ds:itemID="{911617EF-9A33-49DD-BF18-3F75C7B3CC29}">
   <ds:schemaRefs>
-    <ds:schemaRef ds:uri="http://purl.org/dc/terms/"/>
-    <ds:schemaRef ds:uri="http://purl.org/dc/elements/1.1/"/>
-    <ds:schemaRef ds:uri="http://schemas.microsoft.com/office/2006/documentManagement/types"/>
-    <ds:schemaRef ds:uri="http://schemas.openxmlformats.org/package/2006/metadata/core-properties"/>
-    <ds:schemaRef ds:uri="d64320fb-f9a3-4131-8206-9d18da17abe9"/>
-    <ds:schemaRef ds:uri="http://purl.org/dc/dcmitype/"/>
-    <ds:schemaRef ds:uri="http://schemas.microsoft.com/office/infopath/2007/PartnerControls"/>
-    <ds:schemaRef ds:uri="489eda54-cdc8-4a48-94a2-8f9cf8024289"/>
-    <ds:schemaRef ds:uri="http://schemas.microsoft.com/office/2006/metadata/properties"/>
-    <ds:schemaRef ds:uri="http://www.w3.org/XML/1998/namespace"/>
+    <ds:schemaRef ds:uri="http://schemas.microsoft.com/sharepoint/v3/contenttype/forms"/>
   </ds:schemaRefs>
 </ds:datastoreItem>
 </file>
@@ -14380,9 +15214,18 @@
 </file>
 
 <file path=customXml/itemProps3.xml><?xml version="1.0" encoding="utf-8"?>
-<ds:datastoreItem xmlns:ds="http://schemas.openxmlformats.org/officeDocument/2006/customXml" ds:itemID="{911617EF-9A33-49DD-BF18-3F75C7B3CC29}">
+<ds:datastoreItem xmlns:ds="http://schemas.openxmlformats.org/officeDocument/2006/customXml" ds:itemID="{1DADF44A-8650-472F-B2D9-50E27F0769F7}">
   <ds:schemaRefs>
-    <ds:schemaRef ds:uri="http://schemas.microsoft.com/sharepoint/v3/contenttype/forms"/>
+    <ds:schemaRef ds:uri="http://purl.org/dc/terms/"/>
+    <ds:schemaRef ds:uri="http://purl.org/dc/elements/1.1/"/>
+    <ds:schemaRef ds:uri="http://schemas.microsoft.com/office/2006/documentManagement/types"/>
+    <ds:schemaRef ds:uri="http://schemas.openxmlformats.org/package/2006/metadata/core-properties"/>
+    <ds:schemaRef ds:uri="d64320fb-f9a3-4131-8206-9d18da17abe9"/>
+    <ds:schemaRef ds:uri="http://purl.org/dc/dcmitype/"/>
+    <ds:schemaRef ds:uri="http://schemas.microsoft.com/office/infopath/2007/PartnerControls"/>
+    <ds:schemaRef ds:uri="489eda54-cdc8-4a48-94a2-8f9cf8024289"/>
+    <ds:schemaRef ds:uri="http://schemas.microsoft.com/office/2006/metadata/properties"/>
+    <ds:schemaRef ds:uri="http://www.w3.org/XML/1998/namespace"/>
   </ds:schemaRefs>
 </ds:datastoreItem>
 </file>
